--- a/midterm/midterm_slides.pptx
+++ b/midterm/midterm_slides.pptx
@@ -7,44 +7,46 @@
   <p:sldIdLst>
     <p:sldId id="256" r:id="rId3"/>
     <p:sldId id="257" r:id="rId4"/>
-    <p:sldId id="258" r:id="rId5"/>
-    <p:sldId id="271" r:id="rId6"/>
-    <p:sldId id="274" r:id="rId7"/>
-    <p:sldId id="272" r:id="rId8"/>
-    <p:sldId id="275" r:id="rId9"/>
-    <p:sldId id="278" r:id="rId10"/>
-    <p:sldId id="277" r:id="rId11"/>
-    <p:sldId id="279" r:id="rId12"/>
-    <p:sldId id="280" r:id="rId13"/>
-    <p:sldId id="281" r:id="rId14"/>
-    <p:sldId id="282" r:id="rId15"/>
-    <p:sldId id="270" r:id="rId16"/>
+    <p:sldId id="285" r:id="rId5"/>
+    <p:sldId id="258" r:id="rId6"/>
+    <p:sldId id="271" r:id="rId7"/>
+    <p:sldId id="274" r:id="rId8"/>
+    <p:sldId id="272" r:id="rId9"/>
+    <p:sldId id="275" r:id="rId10"/>
+    <p:sldId id="278" r:id="rId11"/>
+    <p:sldId id="277" r:id="rId12"/>
+    <p:sldId id="279" r:id="rId13"/>
+    <p:sldId id="280" r:id="rId14"/>
+    <p:sldId id="281" r:id="rId15"/>
+    <p:sldId id="282" r:id="rId16"/>
+    <p:sldId id="287" r:id="rId17"/>
+    <p:sldId id="270" r:id="rId18"/>
   </p:sldIdLst>
   <p:sldSz cx="18288000" cy="10287000"/>
   <p:notesSz cx="6858000" cy="9144000"/>
   <p:embeddedFontLst>
     <p:embeddedFont>
       <p:font typeface="Poppins Bold" panose="02000000000000000000"/>
-      <p:bold r:id="rId20"/>
+      <p:bold r:id="rId22"/>
     </p:embeddedFont>
     <p:embeddedFont>
       <p:font typeface="Poppins Medium" panose="02000000000000000000"/>
-      <p:regular r:id="rId21"/>
+      <p:regular r:id="rId23"/>
     </p:embeddedFont>
     <p:embeddedFont>
       <p:font typeface="Poppins Light" panose="02000000000000000000"/>
-      <p:regular r:id="rId22"/>
+      <p:regular r:id="rId24"/>
     </p:embeddedFont>
     <p:embeddedFont>
       <p:font typeface="Calibri" panose="020F0502020204030204" charset="0"/>
-      <p:regular r:id="rId23"/>
-      <p:bold r:id="rId24"/>
-      <p:italic r:id="rId25"/>
-      <p:boldItalic r:id="rId26"/>
+      <p:regular r:id="rId25"/>
+      <p:bold r:id="rId26"/>
+      <p:italic r:id="rId27"/>
+      <p:boldItalic r:id="rId28"/>
     </p:embeddedFont>
   </p:embeddedFontLst>
   <p:custDataLst>
-    <p:tags r:id="rId27"/>
+    <p:tags r:id="rId29"/>
   </p:custDataLst>
   <p:defaultTextStyle>
     <a:defPPr>
@@ -3753,7 +3755,7 @@
       </p:sp>
       <p:pic>
         <p:nvPicPr>
-          <p:cNvPr id="6" name="图片 5" descr="vnrf-payload.drawio"/>
+          <p:cNvPr id="13" name="图片 12" descr="QUIC_vn"/>
           <p:cNvPicPr>
             <a:picLocks noChangeAspect="1"/>
           </p:cNvPicPr>
@@ -3767,14 +3769,56 @@
         </p:blipFill>
         <p:spPr>
           <a:xfrm>
-            <a:off x="847725" y="2781300"/>
-            <a:ext cx="16553815" cy="4901565"/>
+            <a:off x="1123950" y="2019300"/>
+            <a:ext cx="9723120" cy="4664075"/>
           </a:xfrm>
           <a:prstGeom prst="rect">
             <a:avLst/>
           </a:prstGeom>
         </p:spPr>
       </p:pic>
+      <p:sp>
+        <p:nvSpPr>
+          <p:cNvPr id="14" name="矩形 13"/>
+          <p:cNvSpPr/>
+          <p:nvPr/>
+        </p:nvSpPr>
+        <p:spPr>
+          <a:xfrm>
+            <a:off x="1600200" y="3924300"/>
+            <a:ext cx="9015095" cy="1708150"/>
+          </a:xfrm>
+          <a:prstGeom prst="rect">
+            <a:avLst/>
+          </a:prstGeom>
+          <a:ln>
+            <a:solidFill>
+              <a:srgbClr val="FF0000"/>
+            </a:solidFill>
+          </a:ln>
+        </p:spPr>
+        <p:style>
+          <a:lnRef idx="2">
+            <a:schemeClr val="accent1"/>
+          </a:lnRef>
+          <a:fillRef idx="0">
+            <a:srgbClr val="FFFFFF"/>
+          </a:fillRef>
+          <a:effectRef idx="0">
+            <a:srgbClr val="FFFFFF"/>
+          </a:effectRef>
+          <a:fontRef idx="minor">
+            <a:schemeClr val="tx1"/>
+          </a:fontRef>
+        </p:style>
+        <p:txBody>
+          <a:bodyPr rtlCol="0" anchor="ctr"/>
+          <a:p>
+            <a:pPr algn="ctr"/>
+            <a:endParaRPr lang="zh-CN" altLang="en-US"/>
+          </a:p>
+        </p:txBody>
+      </p:sp>
     </p:spTree>
   </p:cSld>
   <p:clrMapOvr>
@@ -3943,7 +3987,7 @@
                 </a:solidFill>
                 <a:latin typeface="Poppins Medium" panose="02000000000000000000"/>
               </a:rPr>
-              <a:t>Experiment</a:t>
+              <a:t>Version Negotiation Request Forgery (VNRF)</a:t>
             </a:r>
             <a:endParaRPr lang="en-US" sz="2400" spc="74">
               <a:solidFill>
@@ -3987,7 +4031,7 @@
                 </a:solidFill>
                 <a:latin typeface="Poppins Medium" panose="02000000000000000000"/>
               </a:rPr>
-              <a:t>III</a:t>
+              <a:t>II</a:t>
             </a:r>
             <a:endParaRPr lang="en-US" sz="2400" spc="74">
               <a:solidFill>
@@ -4000,7 +4044,7 @@
       </p:sp>
       <p:pic>
         <p:nvPicPr>
-          <p:cNvPr id="14" name="图片 13" descr="vnrf-abc"/>
+          <p:cNvPr id="6" name="图片 5" descr="vnrf-payload.drawio"/>
           <p:cNvPicPr>
             <a:picLocks noChangeAspect="1"/>
           </p:cNvPicPr>
@@ -4014,8 +4058,8 @@
         </p:blipFill>
         <p:spPr>
           <a:xfrm>
-            <a:off x="847725" y="952500"/>
-            <a:ext cx="14631035" cy="6920230"/>
+            <a:off x="847725" y="2781300"/>
+            <a:ext cx="16553815" cy="4901565"/>
           </a:xfrm>
           <a:prstGeom prst="rect">
             <a:avLst/>
@@ -4269,30 +4313,6 @@
           </a:prstGeom>
         </p:spPr>
       </p:pic>
-      <p:pic>
-        <p:nvPicPr>
-          <p:cNvPr id="6" name="图片 5" descr="vnrf-d"/>
-          <p:cNvPicPr>
-            <a:picLocks noChangeAspect="1"/>
-          </p:cNvPicPr>
-          <p:nvPr/>
-        </p:nvPicPr>
-        <p:blipFill>
-          <a:blip r:embed="rId2"/>
-          <a:stretch>
-            <a:fillRect/>
-          </a:stretch>
-        </p:blipFill>
-        <p:spPr>
-          <a:xfrm>
-            <a:off x="2667000" y="3543300"/>
-            <a:ext cx="15029180" cy="6743700"/>
-          </a:xfrm>
-          <a:prstGeom prst="rect">
-            <a:avLst/>
-          </a:prstGeom>
-        </p:spPr>
-      </p:pic>
     </p:spTree>
   </p:cSld>
   <p:clrMapOvr>
@@ -4518,7 +4538,7 @@
       </p:sp>
       <p:pic>
         <p:nvPicPr>
-          <p:cNvPr id="9" name="图片 8" descr="vnrf-e"/>
+          <p:cNvPr id="14" name="图片 13" descr="vnrf-abc"/>
           <p:cNvPicPr>
             <a:picLocks noChangeAspect="1"/>
           </p:cNvPicPr>
@@ -4532,8 +4552,32 @@
         </p:blipFill>
         <p:spPr>
           <a:xfrm>
-            <a:off x="847725" y="1866900"/>
-            <a:ext cx="15556865" cy="6968490"/>
+            <a:off x="847725" y="952500"/>
+            <a:ext cx="14631035" cy="6920230"/>
+          </a:xfrm>
+          <a:prstGeom prst="rect">
+            <a:avLst/>
+          </a:prstGeom>
+        </p:spPr>
+      </p:pic>
+      <p:pic>
+        <p:nvPicPr>
+          <p:cNvPr id="6" name="图片 5" descr="vnrf-d"/>
+          <p:cNvPicPr>
+            <a:picLocks noChangeAspect="1"/>
+          </p:cNvPicPr>
+          <p:nvPr/>
+        </p:nvPicPr>
+        <p:blipFill>
+          <a:blip r:embed="rId2"/>
+          <a:stretch>
+            <a:fillRect/>
+          </a:stretch>
+        </p:blipFill>
+        <p:spPr>
+          <a:xfrm>
+            <a:off x="2667000" y="3543300"/>
+            <a:ext cx="15029180" cy="6743700"/>
           </a:xfrm>
           <a:prstGeom prst="rect">
             <a:avLst/>
@@ -4574,6 +4618,623 @@
         <p:grpSpPr>
           <a:xfrm rot="0">
             <a:off x="0" y="0"/>
+            <a:ext cx="18288000" cy="847771"/>
+            <a:chOff x="0" y="0"/>
+            <a:chExt cx="6186311" cy="286777"/>
+          </a:xfrm>
+        </p:grpSpPr>
+        <p:sp>
+          <p:nvSpPr>
+            <p:cNvPr id="3" name="Freeform 3"/>
+            <p:cNvSpPr/>
+            <p:nvPr/>
+          </p:nvSpPr>
+          <p:spPr>
+            <a:xfrm>
+              <a:off x="0" y="0"/>
+              <a:ext cx="6186311" cy="286777"/>
+            </a:xfrm>
+            <a:custGeom>
+              <a:avLst/>
+              <a:gdLst/>
+              <a:ahLst/>
+              <a:cxnLst/>
+              <a:rect l="l" t="t" r="r" b="b"/>
+              <a:pathLst>
+                <a:path w="6186311" h="286777">
+                  <a:moveTo>
+                    <a:pt x="0" y="0"/>
+                  </a:moveTo>
+                  <a:lnTo>
+                    <a:pt x="6186311" y="0"/>
+                  </a:lnTo>
+                  <a:lnTo>
+                    <a:pt x="6186311" y="286777"/>
+                  </a:lnTo>
+                  <a:lnTo>
+                    <a:pt x="0" y="286777"/>
+                  </a:lnTo>
+                  <a:close/>
+                </a:path>
+              </a:pathLst>
+            </a:custGeom>
+            <a:solidFill>
+              <a:srgbClr val="EEEEEE"/>
+            </a:solidFill>
+          </p:spPr>
+        </p:sp>
+      </p:grpSp>
+      <p:grpSp>
+        <p:nvGrpSpPr>
+          <p:cNvPr id="4" name="Group 4"/>
+          <p:cNvGrpSpPr/>
+          <p:nvPr/>
+        </p:nvGrpSpPr>
+        <p:grpSpPr>
+          <a:xfrm rot="0">
+            <a:off x="0" y="0"/>
+            <a:ext cx="847771" cy="847771"/>
+            <a:chOff x="0" y="0"/>
+            <a:chExt cx="1913890" cy="1913890"/>
+          </a:xfrm>
+        </p:grpSpPr>
+        <p:sp>
+          <p:nvSpPr>
+            <p:cNvPr id="5" name="Freeform 5"/>
+            <p:cNvSpPr/>
+            <p:nvPr/>
+          </p:nvSpPr>
+          <p:spPr>
+            <a:xfrm>
+              <a:off x="0" y="0"/>
+              <a:ext cx="1913890" cy="1913890"/>
+            </a:xfrm>
+            <a:custGeom>
+              <a:avLst/>
+              <a:gdLst/>
+              <a:ahLst/>
+              <a:cxnLst/>
+              <a:rect l="l" t="t" r="r" b="b"/>
+              <a:pathLst>
+                <a:path w="1913890" h="1913890">
+                  <a:moveTo>
+                    <a:pt x="0" y="0"/>
+                  </a:moveTo>
+                  <a:lnTo>
+                    <a:pt x="1913890" y="0"/>
+                  </a:lnTo>
+                  <a:lnTo>
+                    <a:pt x="1913890" y="1913890"/>
+                  </a:lnTo>
+                  <a:lnTo>
+                    <a:pt x="0" y="1913890"/>
+                  </a:lnTo>
+                  <a:close/>
+                </a:path>
+              </a:pathLst>
+            </a:custGeom>
+            <a:solidFill>
+              <a:srgbClr val="C84B31"/>
+            </a:solidFill>
+          </p:spPr>
+        </p:sp>
+      </p:grpSp>
+      <p:sp>
+        <p:nvSpPr>
+          <p:cNvPr id="7" name="TextBox 7"/>
+          <p:cNvSpPr txBox="1"/>
+          <p:nvPr/>
+        </p:nvSpPr>
+        <p:spPr>
+          <a:xfrm>
+            <a:off x="1123950" y="242910"/>
+            <a:ext cx="10592755" cy="368935"/>
+          </a:xfrm>
+          <a:prstGeom prst="rect">
+            <a:avLst/>
+          </a:prstGeom>
+        </p:spPr>
+        <p:txBody>
+          <a:bodyPr lIns="0" tIns="0" rIns="0" bIns="0" rtlCol="0" anchor="t">
+            <a:spAutoFit/>
+          </a:bodyPr>
+          <a:lstStyle/>
+          <a:p>
+            <a:pPr>
+              <a:lnSpc>
+                <a:spcPts val="2880"/>
+              </a:lnSpc>
+            </a:pPr>
+            <a:r>
+              <a:rPr lang="en-US" sz="2400" spc="74">
+                <a:solidFill>
+                  <a:srgbClr val="2D4263"/>
+                </a:solidFill>
+                <a:latin typeface="Poppins Medium" panose="02000000000000000000"/>
+              </a:rPr>
+              <a:t>Experiment</a:t>
+            </a:r>
+            <a:endParaRPr lang="en-US" sz="2400" spc="74">
+              <a:solidFill>
+                <a:srgbClr val="2D4263"/>
+              </a:solidFill>
+              <a:latin typeface="Poppins Medium" panose="02000000000000000000"/>
+            </a:endParaRPr>
+          </a:p>
+        </p:txBody>
+      </p:sp>
+      <p:sp>
+        <p:nvSpPr>
+          <p:cNvPr id="8" name="TextBox 8"/>
+          <p:cNvSpPr txBox="1"/>
+          <p:nvPr/>
+        </p:nvSpPr>
+        <p:spPr>
+          <a:xfrm>
+            <a:off x="154759" y="242910"/>
+            <a:ext cx="538253" cy="361950"/>
+          </a:xfrm>
+          <a:prstGeom prst="rect">
+            <a:avLst/>
+          </a:prstGeom>
+        </p:spPr>
+        <p:txBody>
+          <a:bodyPr lIns="0" tIns="0" rIns="0" bIns="0" rtlCol="0" anchor="t">
+            <a:spAutoFit/>
+          </a:bodyPr>
+          <a:lstStyle/>
+          <a:p>
+            <a:pPr algn="ctr">
+              <a:lnSpc>
+                <a:spcPts val="2880"/>
+              </a:lnSpc>
+            </a:pPr>
+            <a:r>
+              <a:rPr lang="en-US" sz="2400" spc="74">
+                <a:solidFill>
+                  <a:srgbClr val="EEEEEE"/>
+                </a:solidFill>
+                <a:latin typeface="Poppins Medium" panose="02000000000000000000"/>
+              </a:rPr>
+              <a:t>III</a:t>
+            </a:r>
+            <a:endParaRPr lang="en-US" sz="2400" spc="74">
+              <a:solidFill>
+                <a:srgbClr val="EEEEEE"/>
+              </a:solidFill>
+              <a:latin typeface="Poppins Medium" panose="02000000000000000000"/>
+            </a:endParaRPr>
+          </a:p>
+        </p:txBody>
+      </p:sp>
+      <p:pic>
+        <p:nvPicPr>
+          <p:cNvPr id="9" name="图片 8" descr="vnrf-e"/>
+          <p:cNvPicPr>
+            <a:picLocks noChangeAspect="1"/>
+          </p:cNvPicPr>
+          <p:nvPr/>
+        </p:nvPicPr>
+        <p:blipFill>
+          <a:blip r:embed="rId1"/>
+          <a:stretch>
+            <a:fillRect/>
+          </a:stretch>
+        </p:blipFill>
+        <p:spPr>
+          <a:xfrm>
+            <a:off x="847725" y="1866900"/>
+            <a:ext cx="15556865" cy="6968490"/>
+          </a:xfrm>
+          <a:prstGeom prst="rect">
+            <a:avLst/>
+          </a:prstGeom>
+        </p:spPr>
+      </p:pic>
+    </p:spTree>
+  </p:cSld>
+  <p:clrMapOvr>
+    <a:masterClrMapping/>
+  </p:clrMapOvr>
+</p:sld>
+</file>
+
+<file path=ppt/slides/slide15.xml><?xml version="1.0" encoding="utf-8"?>
+<p:sld xmlns:a="http://schemas.openxmlformats.org/drawingml/2006/main" xmlns:r="http://schemas.openxmlformats.org/officeDocument/2006/relationships" xmlns:p="http://schemas.openxmlformats.org/presentationml/2006/main">
+  <p:cSld>
+    <p:spTree>
+      <p:nvGrpSpPr>
+        <p:cNvPr id="1" name=""/>
+        <p:cNvGrpSpPr/>
+        <p:nvPr/>
+      </p:nvGrpSpPr>
+      <p:grpSpPr>
+        <a:xfrm>
+          <a:off x="0" y="0"/>
+          <a:ext cx="0" cy="0"/>
+          <a:chOff x="0" y="0"/>
+          <a:chExt cx="0" cy="0"/>
+        </a:xfrm>
+      </p:grpSpPr>
+      <p:grpSp>
+        <p:nvGrpSpPr>
+          <p:cNvPr id="2" name="Group 2"/>
+          <p:cNvGrpSpPr/>
+          <p:nvPr/>
+        </p:nvGrpSpPr>
+        <p:grpSpPr>
+          <a:xfrm rot="0">
+            <a:off x="0" y="0"/>
+            <a:ext cx="18288000" cy="847771"/>
+            <a:chOff x="0" y="0"/>
+            <a:chExt cx="6186311" cy="286777"/>
+          </a:xfrm>
+        </p:grpSpPr>
+        <p:sp>
+          <p:nvSpPr>
+            <p:cNvPr id="3" name="Freeform 3"/>
+            <p:cNvSpPr/>
+            <p:nvPr/>
+          </p:nvSpPr>
+          <p:spPr>
+            <a:xfrm>
+              <a:off x="0" y="0"/>
+              <a:ext cx="6186311" cy="286777"/>
+            </a:xfrm>
+            <a:custGeom>
+              <a:avLst/>
+              <a:gdLst/>
+              <a:ahLst/>
+              <a:cxnLst/>
+              <a:rect l="l" t="t" r="r" b="b"/>
+              <a:pathLst>
+                <a:path w="6186311" h="286777">
+                  <a:moveTo>
+                    <a:pt x="0" y="0"/>
+                  </a:moveTo>
+                  <a:lnTo>
+                    <a:pt x="6186311" y="0"/>
+                  </a:lnTo>
+                  <a:lnTo>
+                    <a:pt x="6186311" y="286777"/>
+                  </a:lnTo>
+                  <a:lnTo>
+                    <a:pt x="0" y="286777"/>
+                  </a:lnTo>
+                  <a:close/>
+                </a:path>
+              </a:pathLst>
+            </a:custGeom>
+            <a:solidFill>
+              <a:srgbClr val="EEEEEE"/>
+            </a:solidFill>
+          </p:spPr>
+        </p:sp>
+      </p:grpSp>
+      <p:grpSp>
+        <p:nvGrpSpPr>
+          <p:cNvPr id="4" name="Group 4"/>
+          <p:cNvGrpSpPr/>
+          <p:nvPr/>
+        </p:nvGrpSpPr>
+        <p:grpSpPr>
+          <a:xfrm rot="0">
+            <a:off x="0" y="0"/>
+            <a:ext cx="847771" cy="847771"/>
+            <a:chOff x="0" y="0"/>
+            <a:chExt cx="1913890" cy="1913890"/>
+          </a:xfrm>
+        </p:grpSpPr>
+        <p:sp>
+          <p:nvSpPr>
+            <p:cNvPr id="5" name="Freeform 5"/>
+            <p:cNvSpPr/>
+            <p:nvPr/>
+          </p:nvSpPr>
+          <p:spPr>
+            <a:xfrm>
+              <a:off x="0" y="0"/>
+              <a:ext cx="1913890" cy="1913890"/>
+            </a:xfrm>
+            <a:custGeom>
+              <a:avLst/>
+              <a:gdLst/>
+              <a:ahLst/>
+              <a:cxnLst/>
+              <a:rect l="l" t="t" r="r" b="b"/>
+              <a:pathLst>
+                <a:path w="1913890" h="1913890">
+                  <a:moveTo>
+                    <a:pt x="0" y="0"/>
+                  </a:moveTo>
+                  <a:lnTo>
+                    <a:pt x="1913890" y="0"/>
+                  </a:lnTo>
+                  <a:lnTo>
+                    <a:pt x="1913890" y="1913890"/>
+                  </a:lnTo>
+                  <a:lnTo>
+                    <a:pt x="0" y="1913890"/>
+                  </a:lnTo>
+                  <a:close/>
+                </a:path>
+              </a:pathLst>
+            </a:custGeom>
+            <a:solidFill>
+              <a:srgbClr val="C84B31"/>
+            </a:solidFill>
+          </p:spPr>
+        </p:sp>
+      </p:grpSp>
+      <p:sp>
+        <p:nvSpPr>
+          <p:cNvPr id="6" name="TextBox 6"/>
+          <p:cNvSpPr txBox="1"/>
+          <p:nvPr/>
+        </p:nvSpPr>
+        <p:spPr>
+          <a:xfrm>
+            <a:off x="1123950" y="242910"/>
+            <a:ext cx="10592755" cy="368935"/>
+          </a:xfrm>
+          <a:prstGeom prst="rect">
+            <a:avLst/>
+          </a:prstGeom>
+        </p:spPr>
+        <p:txBody>
+          <a:bodyPr lIns="0" tIns="0" rIns="0" bIns="0" rtlCol="0" anchor="t">
+            <a:spAutoFit/>
+          </a:bodyPr>
+          <a:lstStyle/>
+          <a:p>
+            <a:pPr>
+              <a:lnSpc>
+                <a:spcPts val="2880"/>
+              </a:lnSpc>
+            </a:pPr>
+            <a:r>
+              <a:rPr lang="en-US" sz="2400" spc="74">
+                <a:solidFill>
+                  <a:srgbClr val="2D4263"/>
+                </a:solidFill>
+                <a:latin typeface="Poppins Medium" panose="02000000000000000000"/>
+              </a:rPr>
+              <a:t>Future Work</a:t>
+            </a:r>
+            <a:endParaRPr lang="en-US" sz="2400" spc="74">
+              <a:solidFill>
+                <a:srgbClr val="2D4263"/>
+              </a:solidFill>
+              <a:latin typeface="Poppins Medium" panose="02000000000000000000"/>
+            </a:endParaRPr>
+          </a:p>
+        </p:txBody>
+      </p:sp>
+      <p:sp>
+        <p:nvSpPr>
+          <p:cNvPr id="7" name="TextBox 7"/>
+          <p:cNvSpPr txBox="1"/>
+          <p:nvPr/>
+        </p:nvSpPr>
+        <p:spPr>
+          <a:xfrm>
+            <a:off x="2416175" y="2448560"/>
+            <a:ext cx="12701905" cy="1230630"/>
+          </a:xfrm>
+          <a:prstGeom prst="rect">
+            <a:avLst/>
+          </a:prstGeom>
+        </p:spPr>
+        <p:txBody>
+          <a:bodyPr wrap="square" lIns="0" tIns="0" rIns="0" bIns="0" rtlCol="0" anchor="t">
+            <a:spAutoFit/>
+          </a:bodyPr>
+          <a:lstStyle/>
+          <a:p>
+            <a:pPr>
+              <a:lnSpc>
+                <a:spcPts val="4800"/>
+              </a:lnSpc>
+            </a:pPr>
+            <a:r>
+              <a:rPr lang="en-US" sz="3000">
+                <a:solidFill>
+                  <a:srgbClr val="2D4263"/>
+                </a:solidFill>
+                <a:latin typeface="Poppins Light" panose="02000000000000000000"/>
+                <a:sym typeface="+mn-ea"/>
+              </a:rPr>
+              <a:t>Implement Connection Migration Request Forgery (CMRF)</a:t>
+            </a:r>
+            <a:endParaRPr lang="en-US" sz="3000">
+              <a:solidFill>
+                <a:srgbClr val="2D4263"/>
+              </a:solidFill>
+              <a:latin typeface="Poppins Light" panose="02000000000000000000"/>
+            </a:endParaRPr>
+          </a:p>
+          <a:p>
+            <a:pPr>
+              <a:lnSpc>
+                <a:spcPts val="4800"/>
+              </a:lnSpc>
+            </a:pPr>
+            <a:endParaRPr lang="en-US" sz="3000">
+              <a:solidFill>
+                <a:srgbClr val="2D4263"/>
+              </a:solidFill>
+              <a:latin typeface="Poppins Light" panose="02000000000000000000"/>
+            </a:endParaRPr>
+          </a:p>
+        </p:txBody>
+      </p:sp>
+      <p:sp>
+        <p:nvSpPr>
+          <p:cNvPr id="8" name="TextBox 8"/>
+          <p:cNvSpPr txBox="1"/>
+          <p:nvPr/>
+        </p:nvSpPr>
+        <p:spPr>
+          <a:xfrm>
+            <a:off x="2416303" y="3733293"/>
+            <a:ext cx="8481782" cy="615315"/>
+          </a:xfrm>
+          <a:prstGeom prst="rect">
+            <a:avLst/>
+          </a:prstGeom>
+        </p:spPr>
+        <p:txBody>
+          <a:bodyPr lIns="0" tIns="0" rIns="0" bIns="0" rtlCol="0" anchor="t">
+            <a:spAutoFit/>
+          </a:bodyPr>
+          <a:lstStyle/>
+          <a:p>
+            <a:pPr>
+              <a:lnSpc>
+                <a:spcPts val="4800"/>
+              </a:lnSpc>
+            </a:pPr>
+            <a:r>
+              <a:rPr lang="en-US" sz="3000">
+                <a:solidFill>
+                  <a:srgbClr val="2D4263"/>
+                </a:solidFill>
+                <a:latin typeface="Poppins Light" panose="02000000000000000000"/>
+                <a:sym typeface="+mn-ea"/>
+              </a:rPr>
+              <a:t>Mitigation Approaches</a:t>
+            </a:r>
+            <a:endParaRPr lang="en-US" sz="3000">
+              <a:solidFill>
+                <a:srgbClr val="2D4263"/>
+              </a:solidFill>
+              <a:latin typeface="Poppins Light" panose="02000000000000000000"/>
+            </a:endParaRPr>
+          </a:p>
+        </p:txBody>
+      </p:sp>
+      <p:sp>
+        <p:nvSpPr>
+          <p:cNvPr id="12" name="TextBox 12"/>
+          <p:cNvSpPr txBox="1"/>
+          <p:nvPr/>
+        </p:nvSpPr>
+        <p:spPr>
+          <a:xfrm>
+            <a:off x="1123950" y="2448793"/>
+            <a:ext cx="682307" cy="581025"/>
+          </a:xfrm>
+          <a:prstGeom prst="rect">
+            <a:avLst/>
+          </a:prstGeom>
+        </p:spPr>
+        <p:txBody>
+          <a:bodyPr lIns="0" tIns="0" rIns="0" bIns="0" rtlCol="0" anchor="t">
+            <a:spAutoFit/>
+          </a:bodyPr>
+          <a:lstStyle/>
+          <a:p>
+            <a:pPr>
+              <a:lnSpc>
+                <a:spcPts val="4800"/>
+              </a:lnSpc>
+            </a:pPr>
+            <a:r>
+              <a:rPr lang="en-US" sz="3000">
+                <a:solidFill>
+                  <a:srgbClr val="C84B31"/>
+                </a:solidFill>
+                <a:latin typeface="Poppins Medium" panose="02000000000000000000"/>
+              </a:rPr>
+              <a:t>I</a:t>
+            </a:r>
+            <a:endParaRPr lang="en-US" sz="3000">
+              <a:solidFill>
+                <a:srgbClr val="C84B31"/>
+              </a:solidFill>
+              <a:latin typeface="Poppins Medium" panose="02000000000000000000"/>
+            </a:endParaRPr>
+          </a:p>
+        </p:txBody>
+      </p:sp>
+      <p:sp>
+        <p:nvSpPr>
+          <p:cNvPr id="13" name="TextBox 13"/>
+          <p:cNvSpPr txBox="1"/>
+          <p:nvPr/>
+        </p:nvSpPr>
+        <p:spPr>
+          <a:xfrm>
+            <a:off x="1123950" y="3733293"/>
+            <a:ext cx="682307" cy="581025"/>
+          </a:xfrm>
+          <a:prstGeom prst="rect">
+            <a:avLst/>
+          </a:prstGeom>
+        </p:spPr>
+        <p:txBody>
+          <a:bodyPr lIns="0" tIns="0" rIns="0" bIns="0" rtlCol="0" anchor="t">
+            <a:spAutoFit/>
+          </a:bodyPr>
+          <a:lstStyle/>
+          <a:p>
+            <a:pPr>
+              <a:lnSpc>
+                <a:spcPts val="4800"/>
+              </a:lnSpc>
+            </a:pPr>
+            <a:r>
+              <a:rPr lang="en-US" sz="3000">
+                <a:solidFill>
+                  <a:srgbClr val="C84B31"/>
+                </a:solidFill>
+                <a:latin typeface="Poppins Medium" panose="02000000000000000000"/>
+              </a:rPr>
+              <a:t>II</a:t>
+            </a:r>
+            <a:endParaRPr lang="en-US" sz="3000">
+              <a:solidFill>
+                <a:srgbClr val="C84B31"/>
+              </a:solidFill>
+              <a:latin typeface="Poppins Medium" panose="02000000000000000000"/>
+            </a:endParaRPr>
+          </a:p>
+        </p:txBody>
+      </p:sp>
+    </p:spTree>
+  </p:cSld>
+  <p:clrMapOvr>
+    <a:masterClrMapping/>
+  </p:clrMapOvr>
+</p:sld>
+</file>
+
+<file path=ppt/slides/slide16.xml><?xml version="1.0" encoding="utf-8"?>
+<p:sld xmlns:a="http://schemas.openxmlformats.org/drawingml/2006/main" xmlns:r="http://schemas.openxmlformats.org/officeDocument/2006/relationships" xmlns:p="http://schemas.openxmlformats.org/presentationml/2006/main">
+  <p:cSld>
+    <p:spTree>
+      <p:nvGrpSpPr>
+        <p:cNvPr id="1" name=""/>
+        <p:cNvGrpSpPr/>
+        <p:nvPr/>
+      </p:nvGrpSpPr>
+      <p:grpSpPr>
+        <a:xfrm>
+          <a:off x="0" y="0"/>
+          <a:ext cx="0" cy="0"/>
+          <a:chOff x="0" y="0"/>
+          <a:chExt cx="0" cy="0"/>
+        </a:xfrm>
+      </p:grpSpPr>
+      <p:grpSp>
+        <p:nvGrpSpPr>
+          <p:cNvPr id="2" name="Group 2"/>
+          <p:cNvGrpSpPr/>
+          <p:nvPr/>
+        </p:nvGrpSpPr>
+        <p:grpSpPr>
+          <a:xfrm rot="0">
+            <a:off x="0" y="0"/>
             <a:ext cx="18288000" cy="7666388"/>
             <a:chOff x="0" y="0"/>
             <a:chExt cx="6186311" cy="2593322"/>
@@ -4874,7 +5535,7 @@
         <p:spPr>
           <a:xfrm>
             <a:off x="1123950" y="242910"/>
-            <a:ext cx="10592755" cy="361950"/>
+            <a:ext cx="10592755" cy="368935"/>
           </a:xfrm>
           <a:prstGeom prst="rect">
             <a:avLst/>
@@ -4892,13 +5553,22 @@
               </a:lnSpc>
             </a:pPr>
             <a:r>
-              <a:rPr lang="en-US" sz="2400" spc="74">
+              <a:rPr lang="en-US" sz="2400" b="1" spc="74">
                 <a:solidFill>
                   <a:srgbClr val="2D4263"/>
                 </a:solidFill>
                 <a:latin typeface="Poppins Medium" panose="02000000000000000000"/>
               </a:rPr>
-              <a:t>Table of Contents</a:t>
+              <a:t>G</a:t>
+            </a:r>
+            <a:r>
+              <a:rPr lang="en-US" sz="2400" spc="74">
+                <a:solidFill>
+                  <a:srgbClr val="2D4263"/>
+                </a:solidFill>
+                <a:latin typeface="Poppins Medium" panose="02000000000000000000"/>
+              </a:rPr>
+              <a:t>oal</a:t>
             </a:r>
             <a:endParaRPr lang="en-US" sz="2400" spc="74">
               <a:solidFill>
@@ -4917,15 +5587,15 @@
         </p:nvSpPr>
         <p:spPr>
           <a:xfrm>
-            <a:off x="2416303" y="2448793"/>
-            <a:ext cx="8481782" cy="615315"/>
+            <a:off x="2416175" y="2448560"/>
+            <a:ext cx="10944225" cy="615315"/>
           </a:xfrm>
           <a:prstGeom prst="rect">
             <a:avLst/>
           </a:prstGeom>
         </p:spPr>
         <p:txBody>
-          <a:bodyPr lIns="0" tIns="0" rIns="0" bIns="0" rtlCol="0" anchor="t">
+          <a:bodyPr wrap="square" lIns="0" tIns="0" rIns="0" bIns="0" rtlCol="0" anchor="t">
             <a:spAutoFit/>
           </a:bodyPr>
           <a:lstStyle/>
@@ -4942,7 +5612,7 @@
                 </a:solidFill>
                 <a:latin typeface="Poppins Light" panose="02000000000000000000"/>
               </a:rPr>
-              <a:t>QUIC Basis &amp; Threat Model</a:t>
+              <a:t>Implement Version Negotiation Request Forgery (VNRF)</a:t>
             </a:r>
             <a:endParaRPr lang="en-US" sz="3000">
               <a:solidFill>
@@ -4961,15 +5631,15 @@
         </p:nvSpPr>
         <p:spPr>
           <a:xfrm>
-            <a:off x="2416303" y="3733293"/>
-            <a:ext cx="8481782" cy="615315"/>
+            <a:off x="2416175" y="3733165"/>
+            <a:ext cx="12303760" cy="615315"/>
           </a:xfrm>
           <a:prstGeom prst="rect">
             <a:avLst/>
           </a:prstGeom>
         </p:spPr>
         <p:txBody>
-          <a:bodyPr lIns="0" tIns="0" rIns="0" bIns="0" rtlCol="0" anchor="t">
+          <a:bodyPr wrap="square" lIns="0" tIns="0" rIns="0" bIns="0" rtlCol="0" anchor="t">
             <a:spAutoFit/>
           </a:bodyPr>
           <a:lstStyle/>
@@ -4986,7 +5656,7 @@
                 </a:solidFill>
                 <a:latin typeface="Poppins Light" panose="02000000000000000000"/>
               </a:rPr>
-              <a:t>Version Negotiation Request Forgery (VNRF)</a:t>
+              <a:t>Implement Connection Migration Request Forgery (CMRF)</a:t>
             </a:r>
             <a:endParaRPr lang="en-US" sz="3000">
               <a:solidFill>
@@ -5030,16 +5700,7 @@
                 </a:solidFill>
                 <a:latin typeface="Poppins Light" panose="02000000000000000000"/>
               </a:rPr>
-              <a:t>E</a:t>
-            </a:r>
-            <a:r>
-              <a:rPr lang="en-US" sz="3000">
-                <a:solidFill>
-                  <a:srgbClr val="2D4263"/>
-                </a:solidFill>
-                <a:latin typeface="Poppins Light" panose="02000000000000000000"/>
-              </a:rPr>
-              <a:t>xperiment</a:t>
+              <a:t>Mitigation Approaches</a:t>
             </a:r>
             <a:endParaRPr lang="en-US" sz="3000">
               <a:solidFill>
@@ -5319,14 +5980,14 @@
       </p:grpSp>
       <p:sp>
         <p:nvSpPr>
-          <p:cNvPr id="7" name="TextBox 7"/>
+          <p:cNvPr id="6" name="TextBox 6"/>
           <p:cNvSpPr txBox="1"/>
           <p:nvPr/>
         </p:nvSpPr>
         <p:spPr>
           <a:xfrm>
             <a:off x="1123950" y="242910"/>
-            <a:ext cx="10592755" cy="368935"/>
+            <a:ext cx="10592755" cy="361950"/>
           </a:xfrm>
           <a:prstGeom prst="rect">
             <a:avLst/>
@@ -5349,9 +6010,8 @@
                   <a:srgbClr val="2D4263"/>
                 </a:solidFill>
                 <a:latin typeface="Poppins Medium" panose="02000000000000000000"/>
-                <a:sym typeface="+mn-ea"/>
               </a:rPr>
-              <a:t>QUIC Basis &amp; Threat Model</a:t>
+              <a:t>Table of Contents</a:t>
             </a:r>
             <a:endParaRPr lang="en-US" sz="2400" spc="74">
               <a:solidFill>
@@ -5364,14 +6024,14 @@
       </p:sp>
       <p:sp>
         <p:nvSpPr>
-          <p:cNvPr id="8" name="TextBox 8"/>
+          <p:cNvPr id="7" name="TextBox 7"/>
           <p:cNvSpPr txBox="1"/>
           <p:nvPr/>
         </p:nvSpPr>
         <p:spPr>
           <a:xfrm>
-            <a:off x="154759" y="242910"/>
-            <a:ext cx="538253" cy="361950"/>
+            <a:off x="2416303" y="2448793"/>
+            <a:ext cx="8481782" cy="615315"/>
           </a:xfrm>
           <a:prstGeom prst="rect">
             <a:avLst/>
@@ -5383,147 +6043,258 @@
           </a:bodyPr>
           <a:lstStyle/>
           <a:p>
-            <a:pPr algn="ctr">
-              <a:lnSpc>
-                <a:spcPts val="2880"/>
-              </a:lnSpc>
-            </a:pPr>
-            <a:r>
-              <a:rPr lang="en-US" sz="2400" spc="74">
-                <a:solidFill>
-                  <a:srgbClr val="EEEEEE"/>
-                </a:solidFill>
-                <a:latin typeface="Poppins Medium" panose="02000000000000000000"/>
-              </a:rPr>
-              <a:t>I</a:t>
-            </a:r>
-            <a:endParaRPr lang="en-US" sz="2400" spc="74">
-              <a:solidFill>
-                <a:srgbClr val="EEEEEE"/>
-              </a:solidFill>
-              <a:latin typeface="Poppins Medium" panose="02000000000000000000"/>
-            </a:endParaRPr>
-          </a:p>
-        </p:txBody>
-      </p:sp>
-      <p:sp>
-        <p:nvSpPr>
-          <p:cNvPr id="10" name="TextBox 10"/>
-          <p:cNvSpPr txBox="1"/>
-          <p:nvPr/>
-        </p:nvSpPr>
-        <p:spPr>
-          <a:xfrm>
-            <a:off x="850178" y="1486011"/>
-            <a:ext cx="8481782" cy="1846580"/>
-          </a:xfrm>
-          <a:prstGeom prst="rect">
-            <a:avLst/>
-          </a:prstGeom>
-        </p:spPr>
-        <p:txBody>
-          <a:bodyPr lIns="0" tIns="0" rIns="0" bIns="0" rtlCol="0" anchor="t">
-            <a:spAutoFit/>
-          </a:bodyPr>
-          <a:lstStyle/>
-          <a:p>
-            <a:pPr marL="647700" lvl="1" indent="-323850">
+            <a:pPr>
               <a:lnSpc>
                 <a:spcPts val="4800"/>
               </a:lnSpc>
-              <a:buFont typeface="Arial" panose="020B0604020202020204"/>
-              <a:buChar char="•"/>
             </a:pPr>
             <a:r>
               <a:rPr lang="en-US" sz="3000">
                 <a:solidFill>
                   <a:srgbClr val="2D4263"/>
                 </a:solidFill>
-                <a:latin typeface="Poppins Medium" panose="02000000000000000000"/>
+                <a:latin typeface="Poppins Light" panose="02000000000000000000"/>
               </a:rPr>
-              <a:t>UDP-based</a:t>
+              <a:t>QUIC Basis &amp; Threat Model</a:t>
             </a:r>
             <a:endParaRPr lang="en-US" sz="3000">
               <a:solidFill>
                 <a:srgbClr val="2D4263"/>
               </a:solidFill>
-              <a:latin typeface="Poppins Medium" panose="02000000000000000000"/>
+              <a:latin typeface="Poppins Light" panose="02000000000000000000"/>
             </a:endParaRPr>
           </a:p>
-          <a:p>
-            <a:pPr marL="647700" lvl="1" indent="-323850">
+        </p:txBody>
+      </p:sp>
+      <p:sp>
+        <p:nvSpPr>
+          <p:cNvPr id="8" name="TextBox 8"/>
+          <p:cNvSpPr txBox="1"/>
+          <p:nvPr/>
+        </p:nvSpPr>
+        <p:spPr>
+          <a:xfrm>
+            <a:off x="2416303" y="3733293"/>
+            <a:ext cx="8481782" cy="615315"/>
+          </a:xfrm>
+          <a:prstGeom prst="rect">
+            <a:avLst/>
+          </a:prstGeom>
+        </p:spPr>
+        <p:txBody>
+          <a:bodyPr lIns="0" tIns="0" rIns="0" bIns="0" rtlCol="0" anchor="t">
+            <a:spAutoFit/>
+          </a:bodyPr>
+          <a:lstStyle/>
+          <a:p>
+            <a:pPr>
               <a:lnSpc>
                 <a:spcPts val="4800"/>
               </a:lnSpc>
-              <a:buFont typeface="Arial" panose="020B0604020202020204"/>
-              <a:buChar char="•"/>
             </a:pPr>
             <a:r>
               <a:rPr lang="en-US" sz="3000">
                 <a:solidFill>
                   <a:srgbClr val="2D4263"/>
                 </a:solidFill>
-                <a:latin typeface="Poppins Medium" panose="02000000000000000000"/>
+                <a:latin typeface="Poppins Light" panose="02000000000000000000"/>
               </a:rPr>
-              <a:t>Connection Oriented</a:t>
+              <a:t>Version Negotiation Request Forgery (VNRF)</a:t>
             </a:r>
             <a:endParaRPr lang="en-US" sz="3000">
               <a:solidFill>
                 <a:srgbClr val="2D4263"/>
               </a:solidFill>
-              <a:latin typeface="Poppins Medium" panose="02000000000000000000"/>
+              <a:latin typeface="Poppins Light" panose="02000000000000000000"/>
             </a:endParaRPr>
           </a:p>
-          <a:p>
-            <a:pPr marL="647700" lvl="1" indent="-323850">
+        </p:txBody>
+      </p:sp>
+      <p:sp>
+        <p:nvSpPr>
+          <p:cNvPr id="9" name="TextBox 9"/>
+          <p:cNvSpPr txBox="1"/>
+          <p:nvPr/>
+        </p:nvSpPr>
+        <p:spPr>
+          <a:xfrm>
+            <a:off x="2416303" y="5017794"/>
+            <a:ext cx="8481782" cy="615315"/>
+          </a:xfrm>
+          <a:prstGeom prst="rect">
+            <a:avLst/>
+          </a:prstGeom>
+        </p:spPr>
+        <p:txBody>
+          <a:bodyPr lIns="0" tIns="0" rIns="0" bIns="0" rtlCol="0" anchor="t">
+            <a:spAutoFit/>
+          </a:bodyPr>
+          <a:lstStyle/>
+          <a:p>
+            <a:pPr>
               <a:lnSpc>
                 <a:spcPts val="4800"/>
               </a:lnSpc>
-              <a:buFont typeface="Arial" panose="020B0604020202020204"/>
-              <a:buChar char="•"/>
             </a:pPr>
             <a:r>
               <a:rPr lang="en-US" sz="3000">
                 <a:solidFill>
                   <a:srgbClr val="2D4263"/>
                 </a:solidFill>
-                <a:latin typeface="Poppins Medium" panose="02000000000000000000"/>
+                <a:latin typeface="Poppins Light" panose="02000000000000000000"/>
               </a:rPr>
-              <a:t>TLS Handshake Parameter</a:t>
+              <a:t>E</a:t>
+            </a:r>
+            <a:r>
+              <a:rPr lang="en-US" sz="3000">
+                <a:solidFill>
+                  <a:srgbClr val="2D4263"/>
+                </a:solidFill>
+                <a:latin typeface="Poppins Light" panose="02000000000000000000"/>
+              </a:rPr>
+              <a:t>xperiment</a:t>
             </a:r>
             <a:endParaRPr lang="en-US" sz="3000">
               <a:solidFill>
                 <a:srgbClr val="2D4263"/>
               </a:solidFill>
-              <a:latin typeface="Poppins Medium" panose="02000000000000000000"/>
+              <a:latin typeface="Poppins Light" panose="02000000000000000000"/>
             </a:endParaRPr>
           </a:p>
         </p:txBody>
       </p:sp>
-      <p:pic>
-        <p:nvPicPr>
-          <p:cNvPr id="14" name="图片 13" descr="http3_stack"/>
-          <p:cNvPicPr>
-            <a:picLocks noChangeAspect="1"/>
-          </p:cNvPicPr>
-          <p:nvPr/>
-        </p:nvPicPr>
-        <p:blipFill>
-          <a:blip r:embed="rId1"/>
-          <a:stretch>
-            <a:fillRect/>
-          </a:stretch>
-        </p:blipFill>
-        <p:spPr>
-          <a:xfrm>
-            <a:off x="76200" y="3924300"/>
-            <a:ext cx="10068560" cy="4638040"/>
+      <p:sp>
+        <p:nvSpPr>
+          <p:cNvPr id="12" name="TextBox 12"/>
+          <p:cNvSpPr txBox="1"/>
+          <p:nvPr/>
+        </p:nvSpPr>
+        <p:spPr>
+          <a:xfrm>
+            <a:off x="1123950" y="2448793"/>
+            <a:ext cx="682307" cy="581025"/>
           </a:xfrm>
           <a:prstGeom prst="rect">
             <a:avLst/>
           </a:prstGeom>
         </p:spPr>
-      </p:pic>
+        <p:txBody>
+          <a:bodyPr lIns="0" tIns="0" rIns="0" bIns="0" rtlCol="0" anchor="t">
+            <a:spAutoFit/>
+          </a:bodyPr>
+          <a:lstStyle/>
+          <a:p>
+            <a:pPr>
+              <a:lnSpc>
+                <a:spcPts val="4800"/>
+              </a:lnSpc>
+            </a:pPr>
+            <a:r>
+              <a:rPr lang="en-US" sz="3000">
+                <a:solidFill>
+                  <a:srgbClr val="C84B31"/>
+                </a:solidFill>
+                <a:latin typeface="Poppins Medium" panose="02000000000000000000"/>
+              </a:rPr>
+              <a:t>I</a:t>
+            </a:r>
+            <a:endParaRPr lang="en-US" sz="3000">
+              <a:solidFill>
+                <a:srgbClr val="C84B31"/>
+              </a:solidFill>
+              <a:latin typeface="Poppins Medium" panose="02000000000000000000"/>
+            </a:endParaRPr>
+          </a:p>
+        </p:txBody>
+      </p:sp>
+      <p:sp>
+        <p:nvSpPr>
+          <p:cNvPr id="13" name="TextBox 13"/>
+          <p:cNvSpPr txBox="1"/>
+          <p:nvPr/>
+        </p:nvSpPr>
+        <p:spPr>
+          <a:xfrm>
+            <a:off x="1123950" y="3733293"/>
+            <a:ext cx="682307" cy="581025"/>
+          </a:xfrm>
+          <a:prstGeom prst="rect">
+            <a:avLst/>
+          </a:prstGeom>
+        </p:spPr>
+        <p:txBody>
+          <a:bodyPr lIns="0" tIns="0" rIns="0" bIns="0" rtlCol="0" anchor="t">
+            <a:spAutoFit/>
+          </a:bodyPr>
+          <a:lstStyle/>
+          <a:p>
+            <a:pPr>
+              <a:lnSpc>
+                <a:spcPts val="4800"/>
+              </a:lnSpc>
+            </a:pPr>
+            <a:r>
+              <a:rPr lang="en-US" sz="3000">
+                <a:solidFill>
+                  <a:srgbClr val="C84B31"/>
+                </a:solidFill>
+                <a:latin typeface="Poppins Medium" panose="02000000000000000000"/>
+              </a:rPr>
+              <a:t>II</a:t>
+            </a:r>
+            <a:endParaRPr lang="en-US" sz="3000">
+              <a:solidFill>
+                <a:srgbClr val="C84B31"/>
+              </a:solidFill>
+              <a:latin typeface="Poppins Medium" panose="02000000000000000000"/>
+            </a:endParaRPr>
+          </a:p>
+        </p:txBody>
+      </p:sp>
+      <p:sp>
+        <p:nvSpPr>
+          <p:cNvPr id="14" name="TextBox 14"/>
+          <p:cNvSpPr txBox="1"/>
+          <p:nvPr/>
+        </p:nvSpPr>
+        <p:spPr>
+          <a:xfrm>
+            <a:off x="1123950" y="5017794"/>
+            <a:ext cx="682307" cy="581025"/>
+          </a:xfrm>
+          <a:prstGeom prst="rect">
+            <a:avLst/>
+          </a:prstGeom>
+        </p:spPr>
+        <p:txBody>
+          <a:bodyPr lIns="0" tIns="0" rIns="0" bIns="0" rtlCol="0" anchor="t">
+            <a:spAutoFit/>
+          </a:bodyPr>
+          <a:lstStyle/>
+          <a:p>
+            <a:pPr>
+              <a:lnSpc>
+                <a:spcPts val="4800"/>
+              </a:lnSpc>
+            </a:pPr>
+            <a:r>
+              <a:rPr lang="en-US" sz="3000">
+                <a:solidFill>
+                  <a:srgbClr val="C84B31"/>
+                </a:solidFill>
+                <a:latin typeface="Poppins Medium" panose="02000000000000000000"/>
+              </a:rPr>
+              <a:t>III</a:t>
+            </a:r>
+            <a:endParaRPr lang="en-US" sz="3000">
+              <a:solidFill>
+                <a:srgbClr val="C84B31"/>
+              </a:solidFill>
+              <a:latin typeface="Poppins Medium" panose="02000000000000000000"/>
+            </a:endParaRPr>
+          </a:p>
+        </p:txBody>
+      </p:sp>
     </p:spTree>
   </p:cSld>
   <p:clrMapOvr>
@@ -5756,8 +6527,8 @@
         </p:nvSpPr>
         <p:spPr>
           <a:xfrm>
-            <a:off x="1123863" y="1181211"/>
-            <a:ext cx="8481782" cy="1230630"/>
+            <a:off x="850178" y="1486011"/>
+            <a:ext cx="8481782" cy="1846580"/>
           </a:xfrm>
           <a:prstGeom prst="rect">
             <a:avLst/>
@@ -5783,7 +6554,7 @@
                 </a:solidFill>
                 <a:latin typeface="Poppins Medium" panose="02000000000000000000"/>
               </a:rPr>
-              <a:t>Version Negotiation </a:t>
+              <a:t>UDP-based</a:t>
             </a:r>
             <a:endParaRPr lang="en-US" sz="3000">
               <a:solidFill>
@@ -5807,7 +6578,7 @@
                 </a:solidFill>
                 <a:latin typeface="Poppins Medium" panose="02000000000000000000"/>
               </a:rPr>
-              <a:t>Triggered by unknown version</a:t>
+              <a:t>Connection Oriented</a:t>
             </a:r>
             <a:endParaRPr lang="en-US" sz="3000">
               <a:solidFill>
@@ -5816,11 +6587,35 @@
               <a:latin typeface="Poppins Medium" panose="02000000000000000000"/>
             </a:endParaRPr>
           </a:p>
+          <a:p>
+            <a:pPr marL="647700" lvl="1" indent="-323850">
+              <a:lnSpc>
+                <a:spcPts val="4800"/>
+              </a:lnSpc>
+              <a:buFont typeface="Arial" panose="020B0604020202020204"/>
+              <a:buChar char="•"/>
+            </a:pPr>
+            <a:r>
+              <a:rPr lang="en-US" sz="3000">
+                <a:solidFill>
+                  <a:srgbClr val="2D4263"/>
+                </a:solidFill>
+                <a:latin typeface="Poppins Medium" panose="02000000000000000000"/>
+              </a:rPr>
+              <a:t>TLS Handshake Parameter</a:t>
+            </a:r>
+            <a:endParaRPr lang="en-US" sz="3000">
+              <a:solidFill>
+                <a:srgbClr val="2D4263"/>
+              </a:solidFill>
+              <a:latin typeface="Poppins Medium" panose="02000000000000000000"/>
+            </a:endParaRPr>
+          </a:p>
         </p:txBody>
       </p:sp>
       <p:pic>
         <p:nvPicPr>
-          <p:cNvPr id="12" name="图片 11" descr="QUIC_handshake"/>
+          <p:cNvPr id="14" name="图片 13" descr="http3_stack"/>
           <p:cNvPicPr>
             <a:picLocks noChangeAspect="1"/>
           </p:cNvPicPr>
@@ -5834,56 +6629,14 @@
         </p:blipFill>
         <p:spPr>
           <a:xfrm>
-            <a:off x="1123950" y="4610100"/>
-            <a:ext cx="11375390" cy="4427855"/>
+            <a:off x="76200" y="3924300"/>
+            <a:ext cx="10068560" cy="4638040"/>
           </a:xfrm>
           <a:prstGeom prst="rect">
             <a:avLst/>
           </a:prstGeom>
         </p:spPr>
       </p:pic>
-      <p:sp>
-        <p:nvSpPr>
-          <p:cNvPr id="6" name="矩形 5"/>
-          <p:cNvSpPr/>
-          <p:nvPr/>
-        </p:nvSpPr>
-        <p:spPr>
-          <a:xfrm>
-            <a:off x="1066800" y="5372100"/>
-            <a:ext cx="3962400" cy="533400"/>
-          </a:xfrm>
-          <a:prstGeom prst="rect">
-            <a:avLst/>
-          </a:prstGeom>
-          <a:ln>
-            <a:solidFill>
-              <a:srgbClr val="FF0000"/>
-            </a:solidFill>
-          </a:ln>
-        </p:spPr>
-        <p:style>
-          <a:lnRef idx="2">
-            <a:schemeClr val="accent1"/>
-          </a:lnRef>
-          <a:fillRef idx="0">
-            <a:srgbClr val="FFFFFF"/>
-          </a:fillRef>
-          <a:effectRef idx="0">
-            <a:srgbClr val="FFFFFF"/>
-          </a:effectRef>
-          <a:fontRef idx="minor">
-            <a:schemeClr val="tx1"/>
-          </a:fontRef>
-        </p:style>
-        <p:txBody>
-          <a:bodyPr rtlCol="0" anchor="ctr"/>
-          <a:p>
-            <a:pPr algn="ctr"/>
-            <a:endParaRPr lang="zh-CN" altLang="en-US"/>
-          </a:p>
-        </p:txBody>
-      </p:sp>
     </p:spTree>
   </p:cSld>
   <p:clrMapOvr>
@@ -6117,7 +6870,7 @@
         <p:spPr>
           <a:xfrm>
             <a:off x="1123863" y="1181211"/>
-            <a:ext cx="8481782" cy="1846580"/>
+            <a:ext cx="8481782" cy="1230630"/>
           </a:xfrm>
           <a:prstGeom prst="rect">
             <a:avLst/>
@@ -6169,21 +6922,6 @@
               </a:rPr>
               <a:t>Triggered by unknown version</a:t>
             </a:r>
-            <a:endParaRPr lang="en-US" sz="3000">
-              <a:solidFill>
-                <a:srgbClr val="2D4263"/>
-              </a:solidFill>
-              <a:latin typeface="Poppins Medium" panose="02000000000000000000"/>
-            </a:endParaRPr>
-          </a:p>
-          <a:p>
-            <a:pPr marL="647700" lvl="1" indent="-323850">
-              <a:lnSpc>
-                <a:spcPts val="4800"/>
-              </a:lnSpc>
-              <a:buFont typeface="Arial" panose="020B0604020202020204"/>
-              <a:buChar char="•"/>
-            </a:pPr>
             <a:endParaRPr lang="en-US" sz="3000">
               <a:solidFill>
                 <a:srgbClr val="2D4263"/>
@@ -6259,30 +6997,6 @@
           </a:p>
         </p:txBody>
       </p:sp>
-      <p:pic>
-        <p:nvPicPr>
-          <p:cNvPr id="14" name="图片 13" descr="version_negotiation.drawio"/>
-          <p:cNvPicPr>
-            <a:picLocks noChangeAspect="1"/>
-          </p:cNvPicPr>
-          <p:nvPr/>
-        </p:nvPicPr>
-        <p:blipFill>
-          <a:blip r:embed="rId2"/>
-          <a:stretch>
-            <a:fillRect/>
-          </a:stretch>
-        </p:blipFill>
-        <p:spPr>
-          <a:xfrm>
-            <a:off x="5562600" y="2799080"/>
-            <a:ext cx="6814820" cy="6207760"/>
-          </a:xfrm>
-          <a:prstGeom prst="rect">
-            <a:avLst/>
-          </a:prstGeom>
-        </p:spPr>
-      </p:pic>
     </p:spTree>
   </p:cSld>
   <p:clrMapOvr>
@@ -6583,18 +7297,9 @@
               <a:buFont typeface="Arial" panose="020B0604020202020204"/>
               <a:buChar char="•"/>
             </a:pPr>
-            <a:r>
-              <a:rPr lang="en-US" sz="3000">
-                <a:solidFill>
-                  <a:srgbClr val="FF0000"/>
-                </a:solidFill>
-                <a:latin typeface="Poppins Medium" panose="02000000000000000000"/>
-              </a:rPr>
-              <a:t>With IP Spoofing?</a:t>
-            </a:r>
             <a:endParaRPr lang="en-US" sz="3000">
               <a:solidFill>
-                <a:srgbClr val="FF0000"/>
+                <a:srgbClr val="2D4263"/>
               </a:solidFill>
               <a:latin typeface="Poppins Medium" panose="02000000000000000000"/>
             </a:endParaRPr>
@@ -6858,6 +7563,7 @@
                   <a:srgbClr val="2D4263"/>
                 </a:solidFill>
                 <a:latin typeface="Poppins Medium" panose="02000000000000000000"/>
+                <a:sym typeface="+mn-ea"/>
               </a:rPr>
               <a:t>QUIC Basis &amp; Threat Model</a:t>
             </a:r>
@@ -7076,7 +7782,7 @@
       </p:sp>
       <p:pic>
         <p:nvPicPr>
-          <p:cNvPr id="9" name="图片 8" descr="vn_attack.drawio"/>
+          <p:cNvPr id="14" name="图片 13" descr="version_negotiation.drawio"/>
           <p:cNvPicPr>
             <a:picLocks noChangeAspect="1"/>
           </p:cNvPicPr>
@@ -7090,8 +7796,8 @@
         </p:blipFill>
         <p:spPr>
           <a:xfrm>
-            <a:off x="5257800" y="3619500"/>
-            <a:ext cx="9453245" cy="5877560"/>
+            <a:off x="5562600" y="2799080"/>
+            <a:ext cx="6814820" cy="6207760"/>
           </a:xfrm>
           <a:prstGeom prst="rect">
             <a:avLst/>
@@ -7329,15 +8035,15 @@
         </p:nvSpPr>
         <p:spPr>
           <a:xfrm>
-            <a:off x="1123950" y="1181100"/>
-            <a:ext cx="10281285" cy="2461895"/>
+            <a:off x="1123863" y="1181211"/>
+            <a:ext cx="8481782" cy="1846580"/>
           </a:xfrm>
           <a:prstGeom prst="rect">
             <a:avLst/>
           </a:prstGeom>
         </p:spPr>
         <p:txBody>
-          <a:bodyPr wrap="square" lIns="0" tIns="0" rIns="0" bIns="0" rtlCol="0" anchor="t">
+          <a:bodyPr lIns="0" tIns="0" rIns="0" bIns="0" rtlCol="0" anchor="t">
             <a:spAutoFit/>
           </a:bodyPr>
           <a:lstStyle/>
@@ -7356,7 +8062,7 @@
                 </a:solidFill>
                 <a:latin typeface="Poppins Medium" panose="02000000000000000000"/>
               </a:rPr>
-              <a:t>Request Forgery </a:t>
+              <a:t>Version Negotiation </a:t>
             </a:r>
             <a:endParaRPr lang="en-US" sz="3000">
               <a:solidFill>
@@ -7380,7 +8086,7 @@
                 </a:solidFill>
                 <a:latin typeface="Poppins Medium" panose="02000000000000000000"/>
               </a:rPr>
-              <a:t>Server send “unintended” request to other host</a:t>
+              <a:t>Triggered by unknown version</a:t>
             </a:r>
             <a:endParaRPr lang="en-US" sz="3000">
               <a:solidFill>
@@ -7400,36 +8106,12 @@
             <a:r>
               <a:rPr lang="en-US" sz="3000">
                 <a:solidFill>
-                  <a:srgbClr val="2D4263"/>
+                  <a:srgbClr val="FF0000"/>
                 </a:solidFill>
                 <a:latin typeface="Poppins Medium" panose="02000000000000000000"/>
               </a:rPr>
-              <a:t>Attacker gain high </a:t>
-            </a:r>
-            <a:r>
-              <a:rPr lang="en-US" sz="3000">
-                <a:solidFill>
-                  <a:srgbClr val="2D4263"/>
-                </a:solidFill>
-                <a:latin typeface="Poppins Medium" panose="02000000000000000000"/>
-              </a:rPr>
-              <a:t>privilege and bandwith</a:t>
-            </a:r>
-            <a:endParaRPr lang="en-US" sz="3000">
-              <a:solidFill>
-                <a:srgbClr val="2D4263"/>
-              </a:solidFill>
-              <a:latin typeface="Poppins Medium" panose="02000000000000000000"/>
-            </a:endParaRPr>
-          </a:p>
-          <a:p>
-            <a:pPr marL="647700" lvl="1" indent="-323850">
-              <a:lnSpc>
-                <a:spcPts val="4800"/>
-              </a:lnSpc>
-              <a:buFont typeface="Arial" panose="020B0604020202020204"/>
-              <a:buChar char="•"/>
-            </a:pPr>
+              <a:t>With IP Spoofing?</a:t>
+            </a:r>
             <a:endParaRPr lang="en-US" sz="3000">
               <a:solidFill>
                 <a:srgbClr val="FF0000"/>
@@ -7441,7 +8123,7 @@
       </p:sp>
       <p:pic>
         <p:nvPicPr>
-          <p:cNvPr id="13" name="图片 12" descr="threat_model.drawio"/>
+          <p:cNvPr id="12" name="图片 11" descr="QUIC_handshake"/>
           <p:cNvPicPr>
             <a:picLocks noChangeAspect="1"/>
           </p:cNvPicPr>
@@ -7455,8 +8137,74 @@
         </p:blipFill>
         <p:spPr>
           <a:xfrm>
-            <a:off x="1123950" y="3467100"/>
-            <a:ext cx="13040995" cy="5226050"/>
+            <a:off x="1123950" y="4610100"/>
+            <a:ext cx="11375390" cy="4427855"/>
+          </a:xfrm>
+          <a:prstGeom prst="rect">
+            <a:avLst/>
+          </a:prstGeom>
+        </p:spPr>
+      </p:pic>
+      <p:sp>
+        <p:nvSpPr>
+          <p:cNvPr id="6" name="矩形 5"/>
+          <p:cNvSpPr/>
+          <p:nvPr/>
+        </p:nvSpPr>
+        <p:spPr>
+          <a:xfrm>
+            <a:off x="1066800" y="5372100"/>
+            <a:ext cx="3962400" cy="533400"/>
+          </a:xfrm>
+          <a:prstGeom prst="rect">
+            <a:avLst/>
+          </a:prstGeom>
+          <a:ln>
+            <a:solidFill>
+              <a:srgbClr val="FF0000"/>
+            </a:solidFill>
+          </a:ln>
+        </p:spPr>
+        <p:style>
+          <a:lnRef idx="2">
+            <a:schemeClr val="accent1"/>
+          </a:lnRef>
+          <a:fillRef idx="0">
+            <a:srgbClr val="FFFFFF"/>
+          </a:fillRef>
+          <a:effectRef idx="0">
+            <a:srgbClr val="FFFFFF"/>
+          </a:effectRef>
+          <a:fontRef idx="minor">
+            <a:schemeClr val="tx1"/>
+          </a:fontRef>
+        </p:style>
+        <p:txBody>
+          <a:bodyPr rtlCol="0" anchor="ctr"/>
+          <a:p>
+            <a:pPr algn="ctr"/>
+            <a:endParaRPr lang="zh-CN" altLang="en-US"/>
+          </a:p>
+        </p:txBody>
+      </p:sp>
+      <p:pic>
+        <p:nvPicPr>
+          <p:cNvPr id="9" name="图片 8" descr="vn_attack.drawio"/>
+          <p:cNvPicPr>
+            <a:picLocks noChangeAspect="1"/>
+          </p:cNvPicPr>
+          <p:nvPr/>
+        </p:nvPicPr>
+        <p:blipFill>
+          <a:blip r:embed="rId2"/>
+          <a:stretch>
+            <a:fillRect/>
+          </a:stretch>
+        </p:blipFill>
+        <p:spPr>
+          <a:xfrm>
+            <a:off x="5257800" y="3619500"/>
+            <a:ext cx="9453245" cy="5877560"/>
           </a:xfrm>
           <a:prstGeom prst="rect">
             <a:avLst/>
@@ -7631,7 +8379,7 @@
                 </a:solidFill>
                 <a:latin typeface="Poppins Medium" panose="02000000000000000000"/>
               </a:rPr>
-              <a:t>Version Negotiation Request Forgery (VNRF)</a:t>
+              <a:t>QUIC Basis &amp; Threat Model</a:t>
             </a:r>
             <a:endParaRPr lang="en-US" sz="2400" spc="74">
               <a:solidFill>
@@ -7675,7 +8423,7 @@
                 </a:solidFill>
                 <a:latin typeface="Poppins Medium" panose="02000000000000000000"/>
               </a:rPr>
-              <a:t>II</a:t>
+              <a:t>I</a:t>
             </a:r>
             <a:endParaRPr lang="en-US" sz="2400" spc="74">
               <a:solidFill>
@@ -7686,9 +8434,127 @@
           </a:p>
         </p:txBody>
       </p:sp>
+      <p:sp>
+        <p:nvSpPr>
+          <p:cNvPr id="10" name="TextBox 10"/>
+          <p:cNvSpPr txBox="1"/>
+          <p:nvPr/>
+        </p:nvSpPr>
+        <p:spPr>
+          <a:xfrm>
+            <a:off x="1123950" y="1181100"/>
+            <a:ext cx="10281285" cy="2461895"/>
+          </a:xfrm>
+          <a:prstGeom prst="rect">
+            <a:avLst/>
+          </a:prstGeom>
+        </p:spPr>
+        <p:txBody>
+          <a:bodyPr wrap="square" lIns="0" tIns="0" rIns="0" bIns="0" rtlCol="0" anchor="t">
+            <a:spAutoFit/>
+          </a:bodyPr>
+          <a:lstStyle/>
+          <a:p>
+            <a:pPr marL="647700" lvl="1" indent="-323850">
+              <a:lnSpc>
+                <a:spcPts val="4800"/>
+              </a:lnSpc>
+              <a:buFont typeface="Arial" panose="020B0604020202020204"/>
+              <a:buChar char="•"/>
+            </a:pPr>
+            <a:r>
+              <a:rPr lang="en-US" sz="3000">
+                <a:solidFill>
+                  <a:srgbClr val="2D4263"/>
+                </a:solidFill>
+                <a:latin typeface="Poppins Medium" panose="02000000000000000000"/>
+              </a:rPr>
+              <a:t>Request Forgery </a:t>
+            </a:r>
+            <a:endParaRPr lang="en-US" sz="3000">
+              <a:solidFill>
+                <a:srgbClr val="2D4263"/>
+              </a:solidFill>
+              <a:latin typeface="Poppins Medium" panose="02000000000000000000"/>
+            </a:endParaRPr>
+          </a:p>
+          <a:p>
+            <a:pPr marL="647700" lvl="1" indent="-323850">
+              <a:lnSpc>
+                <a:spcPts val="4800"/>
+              </a:lnSpc>
+              <a:buFont typeface="Arial" panose="020B0604020202020204"/>
+              <a:buChar char="•"/>
+            </a:pPr>
+            <a:r>
+              <a:rPr lang="en-US" sz="3000">
+                <a:solidFill>
+                  <a:srgbClr val="2D4263"/>
+                </a:solidFill>
+                <a:latin typeface="Poppins Medium" panose="02000000000000000000"/>
+              </a:rPr>
+              <a:t>Server send “unintended” request to other host</a:t>
+            </a:r>
+            <a:endParaRPr lang="en-US" sz="3000">
+              <a:solidFill>
+                <a:srgbClr val="2D4263"/>
+              </a:solidFill>
+              <a:latin typeface="Poppins Medium" panose="02000000000000000000"/>
+            </a:endParaRPr>
+          </a:p>
+          <a:p>
+            <a:pPr marL="647700" lvl="1" indent="-323850">
+              <a:lnSpc>
+                <a:spcPts val="4800"/>
+              </a:lnSpc>
+              <a:buFont typeface="Arial" panose="020B0604020202020204"/>
+              <a:buChar char="•"/>
+            </a:pPr>
+            <a:r>
+              <a:rPr lang="en-US" sz="3000">
+                <a:solidFill>
+                  <a:srgbClr val="2D4263"/>
+                </a:solidFill>
+                <a:latin typeface="Poppins Medium" panose="02000000000000000000"/>
+              </a:rPr>
+              <a:t>Attacker gain high </a:t>
+            </a:r>
+            <a:r>
+              <a:rPr lang="en-US" sz="3000">
+                <a:solidFill>
+                  <a:srgbClr val="2D4263"/>
+                </a:solidFill>
+                <a:latin typeface="Poppins Medium" panose="02000000000000000000"/>
+              </a:rPr>
+              <a:t>privilege and bandwith</a:t>
+            </a:r>
+            <a:endParaRPr lang="en-US" sz="3000">
+              <a:solidFill>
+                <a:srgbClr val="2D4263"/>
+              </a:solidFill>
+              <a:latin typeface="Poppins Medium" panose="02000000000000000000"/>
+            </a:endParaRPr>
+          </a:p>
+          <a:p>
+            <a:pPr marL="647700" lvl="1" indent="-323850">
+              <a:lnSpc>
+                <a:spcPts val="4800"/>
+              </a:lnSpc>
+              <a:buFont typeface="Arial" panose="020B0604020202020204"/>
+              <a:buChar char="•"/>
+            </a:pPr>
+            <a:endParaRPr lang="en-US" sz="3000">
+              <a:solidFill>
+                <a:srgbClr val="FF0000"/>
+              </a:solidFill>
+              <a:latin typeface="Poppins Medium" panose="02000000000000000000"/>
+            </a:endParaRPr>
+          </a:p>
+        </p:txBody>
+      </p:sp>
       <p:pic>
         <p:nvPicPr>
-          <p:cNvPr id="13" name="图片 12" descr="QUIC_vn"/>
+          <p:cNvPr id="13" name="图片 12" descr="threat_model.drawio"/>
           <p:cNvPicPr>
             <a:picLocks noChangeAspect="1"/>
           </p:cNvPicPr>
@@ -7702,56 +8568,14 @@
         </p:blipFill>
         <p:spPr>
           <a:xfrm>
-            <a:off x="1123950" y="2019300"/>
-            <a:ext cx="9723120" cy="4664075"/>
+            <a:off x="1123950" y="3467100"/>
+            <a:ext cx="13040995" cy="5226050"/>
           </a:xfrm>
           <a:prstGeom prst="rect">
             <a:avLst/>
           </a:prstGeom>
         </p:spPr>
       </p:pic>
-      <p:sp>
-        <p:nvSpPr>
-          <p:cNvPr id="14" name="矩形 13"/>
-          <p:cNvSpPr/>
-          <p:nvPr/>
-        </p:nvSpPr>
-        <p:spPr>
-          <a:xfrm>
-            <a:off x="1600200" y="3924300"/>
-            <a:ext cx="9015095" cy="1708150"/>
-          </a:xfrm>
-          <a:prstGeom prst="rect">
-            <a:avLst/>
-          </a:prstGeom>
-          <a:ln>
-            <a:solidFill>
-              <a:srgbClr val="FF0000"/>
-            </a:solidFill>
-          </a:ln>
-        </p:spPr>
-        <p:style>
-          <a:lnRef idx="2">
-            <a:schemeClr val="accent1"/>
-          </a:lnRef>
-          <a:fillRef idx="0">
-            <a:srgbClr val="FFFFFF"/>
-          </a:fillRef>
-          <a:effectRef idx="0">
-            <a:srgbClr val="FFFFFF"/>
-          </a:effectRef>
-          <a:fontRef idx="minor">
-            <a:schemeClr val="tx1"/>
-          </a:fontRef>
-        </p:style>
-        <p:txBody>
-          <a:bodyPr rtlCol="0" anchor="ctr"/>
-          <a:p>
-            <a:pPr algn="ctr"/>
-            <a:endParaRPr lang="zh-CN" altLang="en-US"/>
-          </a:p>
-        </p:txBody>
-      </p:sp>
     </p:spTree>
   </p:cSld>
   <p:clrMapOvr>
